--- a/images/2023-07-19-ru-he-da-jian-shu-yu-zi-ji-de-zhi-shi-shou-ji-zheng-li-jia-gong-ti-xi/各种图片.pptx
+++ b/images/2023-07-19-ru-he-da-jian-shu-yu-zi-ji-de-zhi-shi-shou-ji-zheng-li-jia-gong-ti-xi/各种图片.pptx
@@ -5437,6 +5437,149 @@
           </a:p>
         </p:txBody>
       </p:sp>
+      <p:sp>
+        <p:nvSpPr>
+          <p:cNvPr id="36" name="爆炸形 1 35">
+            <a:extLst>
+              <a:ext uri="{FF2B5EF4-FFF2-40B4-BE49-F238E27FC236}">
+                <a16:creationId xmlns:a16="http://schemas.microsoft.com/office/drawing/2014/main" id="{795D9F5F-947E-59B0-AF11-BC829A840F2F}"/>
+              </a:ext>
+            </a:extLst>
+          </p:cNvPr>
+          <p:cNvSpPr/>
+          <p:nvPr/>
+        </p:nvSpPr>
+        <p:spPr>
+          <a:xfrm>
+            <a:off x="5877051" y="5546825"/>
+            <a:ext cx="1549667" cy="1098279"/>
+          </a:xfrm>
+          <a:prstGeom prst="irregularSeal1">
+            <a:avLst/>
+          </a:prstGeom>
+        </p:spPr>
+        <p:style>
+          <a:lnRef idx="2">
+            <a:schemeClr val="accent1">
+              <a:shade val="15000"/>
+            </a:schemeClr>
+          </a:lnRef>
+          <a:fillRef idx="1">
+            <a:schemeClr val="accent1"/>
+          </a:fillRef>
+          <a:effectRef idx="0">
+            <a:schemeClr val="accent1"/>
+          </a:effectRef>
+          <a:fontRef idx="minor">
+            <a:schemeClr val="lt1"/>
+          </a:fontRef>
+        </p:style>
+        <p:txBody>
+          <a:bodyPr rtlCol="0" anchor="ctr"/>
+          <a:lstStyle/>
+          <a:p>
+            <a:pPr algn="ctr"/>
+            <a:r>
+              <a:rPr kumimoji="1" lang="zh-CN" altLang="en-US" dirty="0"/>
+              <a:t>深度知识</a:t>
+            </a:r>
+          </a:p>
+        </p:txBody>
+      </p:sp>
+      <p:sp>
+        <p:nvSpPr>
+          <p:cNvPr id="37" name="右大括号 36">
+            <a:extLst>
+              <a:ext uri="{FF2B5EF4-FFF2-40B4-BE49-F238E27FC236}">
+                <a16:creationId xmlns:a16="http://schemas.microsoft.com/office/drawing/2014/main" id="{A07BC6CB-5E05-12DD-A321-4C3373FC596C}"/>
+              </a:ext>
+            </a:extLst>
+          </p:cNvPr>
+          <p:cNvSpPr/>
+          <p:nvPr/>
+        </p:nvSpPr>
+        <p:spPr>
+          <a:xfrm>
+            <a:off x="9115124" y="169075"/>
+            <a:ext cx="529390" cy="3111535"/>
+          </a:xfrm>
+          <a:prstGeom prst="rightBrace">
+            <a:avLst/>
+          </a:prstGeom>
+        </p:spPr>
+        <p:style>
+          <a:lnRef idx="3">
+            <a:schemeClr val="accent1"/>
+          </a:lnRef>
+          <a:fillRef idx="0">
+            <a:schemeClr val="accent1"/>
+          </a:fillRef>
+          <a:effectRef idx="2">
+            <a:schemeClr val="accent1"/>
+          </a:effectRef>
+          <a:fontRef idx="minor">
+            <a:schemeClr val="tx1"/>
+          </a:fontRef>
+        </p:style>
+        <p:txBody>
+          <a:bodyPr rtlCol="0" anchor="ctr"/>
+          <a:lstStyle/>
+          <a:p>
+            <a:pPr algn="ctr"/>
+            <a:r>
+              <a:rPr kumimoji="1" lang="zh-CN" altLang="en-US" dirty="0"/>
+              <a:t>信息库</a:t>
+            </a:r>
+          </a:p>
+        </p:txBody>
+      </p:sp>
+      <p:sp>
+        <p:nvSpPr>
+          <p:cNvPr id="38" name="右大括号 37">
+            <a:extLst>
+              <a:ext uri="{FF2B5EF4-FFF2-40B4-BE49-F238E27FC236}">
+                <a16:creationId xmlns:a16="http://schemas.microsoft.com/office/drawing/2014/main" id="{7245EC68-A615-DF3E-6063-3E843A294429}"/>
+              </a:ext>
+            </a:extLst>
+          </p:cNvPr>
+          <p:cNvSpPr/>
+          <p:nvPr/>
+        </p:nvSpPr>
+        <p:spPr>
+          <a:xfrm>
+            <a:off x="9113765" y="3347458"/>
+            <a:ext cx="529390" cy="3111535"/>
+          </a:xfrm>
+          <a:prstGeom prst="rightBrace">
+            <a:avLst/>
+          </a:prstGeom>
+        </p:spPr>
+        <p:style>
+          <a:lnRef idx="3">
+            <a:schemeClr val="accent6"/>
+          </a:lnRef>
+          <a:fillRef idx="0">
+            <a:schemeClr val="accent6"/>
+          </a:fillRef>
+          <a:effectRef idx="2">
+            <a:schemeClr val="accent6"/>
+          </a:effectRef>
+          <a:fontRef idx="minor">
+            <a:schemeClr val="tx1"/>
+          </a:fontRef>
+        </p:style>
+        <p:txBody>
+          <a:bodyPr rtlCol="0" anchor="ctr"/>
+          <a:lstStyle/>
+          <a:p>
+            <a:pPr algn="ctr"/>
+            <a:r>
+              <a:rPr kumimoji="1" lang="zh-CN" altLang="en-US" dirty="0"/>
+              <a:t>知识库</a:t>
+            </a:r>
+          </a:p>
+        </p:txBody>
+      </p:sp>
     </p:spTree>
     <p:extLst>
       <p:ext uri="{BB962C8B-B14F-4D97-AF65-F5344CB8AC3E}">
